--- a/cts_python_practitioner_day1_v1_2019.pptx
+++ b/cts_python_practitioner_day1_v1_2019.pptx
@@ -23860,7 +23860,7 @@
           <a:p>
             <a:fld id="{F9ACA898-F605-4900-878E-E9768DF1D293}" type="datetimeFigureOut">
               <a:rPr lang="en-US" smtClean="0"/>
-              <a:t>5/3/20</a:t>
+              <a:t>6/10/20</a:t>
             </a:fld>
             <a:endParaRPr lang="en-US"/>
           </a:p>
